--- a/第二阶段/课堂演示ppt.pptx
+++ b/第二阶段/课堂演示ppt.pptx
@@ -12791,31 +12791,35 @@
           </a:p>
         </p:txBody>
       </p:sp>
-      <p:sp>
-        <p:nvSpPr>
-          <p:cNvPr id="7" name="内容占位符 6">
-            <a:extLst>
-              <a:ext uri="{FF2B5EF4-FFF2-40B4-BE49-F238E27FC236}">
-                <a16:creationId xmlns:a16="http://schemas.microsoft.com/office/drawing/2014/main" id="{87BAD582-6F34-5F9A-7597-53943994D134}"/>
-              </a:ext>
-            </a:extLst>
-          </p:cNvPr>
-          <p:cNvSpPr>
-            <a:spLocks noGrp="1"/>
-          </p:cNvSpPr>
+      <p:pic>
+        <p:nvPicPr>
+          <p:cNvPr id="8" name="内容占位符 7">
+            <a:extLst>
+              <a:ext uri="{FF2B5EF4-FFF2-40B4-BE49-F238E27FC236}">
+                <a16:creationId xmlns:a16="http://schemas.microsoft.com/office/drawing/2014/main" id="{F5127C97-CFDB-9D76-10FA-3937EDCF8A4E}"/>
+              </a:ext>
+            </a:extLst>
+          </p:cNvPr>
+          <p:cNvPicPr>
+            <a:picLocks noGrp="1" noChangeAspect="1"/>
+          </p:cNvPicPr>
           <p:nvPr>
             <p:ph idx="1"/>
           </p:nvPr>
-        </p:nvSpPr>
-        <p:spPr/>
-        <p:txBody>
-          <a:bodyPr/>
-          <a:lstStyle/>
-          <a:p>
-            <a:endParaRPr lang="zh-CN" altLang="en-US"/>
-          </a:p>
-        </p:txBody>
-      </p:sp>
+        </p:nvPicPr>
+        <p:blipFill>
+          <a:blip r:embed="rId2"/>
+          <a:stretch>
+            <a:fillRect/>
+          </a:stretch>
+        </p:blipFill>
+        <p:spPr>
+          <a:xfrm>
+            <a:off x="3519413" y="1446369"/>
+            <a:ext cx="5360437" cy="4909981"/>
+          </a:xfrm>
+        </p:spPr>
+      </p:pic>
     </p:spTree>
     <p:extLst>
       <p:ext uri="{BB962C8B-B14F-4D97-AF65-F5344CB8AC3E}">
@@ -12874,11 +12878,18 @@
           <a:lstStyle/>
           <a:p>
             <a:r>
-              <a:rPr lang="en-US" altLang="zh-CN" dirty="0" err="1">
+              <a:rPr lang="en-US" altLang="zh-CN" dirty="0">
                 <a:latin typeface="华文宋体" panose="02010600040101010101" pitchFamily="2" charset="-122"/>
                 <a:ea typeface="华文宋体" panose="02010600040101010101" pitchFamily="2" charset="-122"/>
               </a:rPr>
-              <a:t>KanBan</a:t>
+              <a:t>GitHub</a:t>
+            </a:r>
+            <a:r>
+              <a:rPr lang="zh-CN" altLang="en-US" dirty="0">
+                <a:latin typeface="+mn-ea"/>
+                <a:ea typeface="+mn-ea"/>
+              </a:rPr>
+              <a:t>项目状态</a:t>
             </a:r>
             <a:endParaRPr lang="en-CA" dirty="0">
               <a:latin typeface="华文宋体" panose="02010600040101010101" pitchFamily="2" charset="-122"/>
@@ -13009,10 +13020,10 @@
       </p:sp>
       <p:pic>
         <p:nvPicPr>
-          <p:cNvPr id="9" name="内容占位符 8">
-            <a:extLst>
-              <a:ext uri="{FF2B5EF4-FFF2-40B4-BE49-F238E27FC236}">
-                <a16:creationId xmlns:a16="http://schemas.microsoft.com/office/drawing/2014/main" id="{89FF6980-414B-675C-7C1A-FCAAF0FF3BD7}"/>
+          <p:cNvPr id="10" name="内容占位符 9">
+            <a:extLst>
+              <a:ext uri="{FF2B5EF4-FFF2-40B4-BE49-F238E27FC236}">
+                <a16:creationId xmlns:a16="http://schemas.microsoft.com/office/drawing/2014/main" id="{062C4CC0-DDB3-1F7D-9CA0-A43CDBCF7D8C}"/>
               </a:ext>
             </a:extLst>
           </p:cNvPr>
@@ -13031,8 +13042,8 @@
         </p:blipFill>
         <p:spPr>
           <a:xfrm>
-            <a:off x="1116013" y="2910625"/>
-            <a:ext cx="10167937" cy="2829038"/>
+            <a:off x="6961510" y="0"/>
+            <a:ext cx="3525768" cy="6836732"/>
           </a:xfrm>
         </p:spPr>
       </p:pic>
@@ -16156,21 +16167,21 @@
 </file>
 
 <file path=customXml/item2.xml><?xml version="1.0" encoding="utf-8"?>
+<?mso-contentType ?>
+<FormTemplates xmlns="http://schemas.microsoft.com/sharepoint/v3/contenttype/forms">
+  <Display>DocumentLibraryForm</Display>
+  <Edit>DocumentLibraryForm</Edit>
+  <New>DocumentLibraryForm</New>
+</FormTemplates>
+</file>
+
+<file path=customXml/item3.xml><?xml version="1.0" encoding="utf-8"?>
 <p:properties xmlns:p="http://schemas.microsoft.com/office/2006/metadata/properties" xmlns:xsi="http://www.w3.org/2001/XMLSchema-instance" xmlns:pc="http://schemas.microsoft.com/office/infopath/2007/PartnerControls">
   <documentManagement>
     <Status xmlns="71af3243-3dd4-4a8d-8c0d-dd76da1f02a5">Not started</Status>
     <MediaServiceKeyPoints xmlns="71af3243-3dd4-4a8d-8c0d-dd76da1f02a5" xsi:nil="true"/>
   </documentManagement>
 </p:properties>
-</file>
-
-<file path=customXml/item3.xml><?xml version="1.0" encoding="utf-8"?>
-<?mso-contentType ?>
-<FormTemplates xmlns="http://schemas.microsoft.com/sharepoint/v3/contenttype/forms">
-  <Display>DocumentLibraryForm</Display>
-  <Edit>DocumentLibraryForm</Edit>
-  <New>DocumentLibraryForm</New>
-</FormTemplates>
 </file>
 
 <file path=customXml/itemProps1.xml><?xml version="1.0" encoding="utf-8"?>
@@ -16193,6 +16204,14 @@
 </file>
 
 <file path=customXml/itemProps2.xml><?xml version="1.0" encoding="utf-8"?>
+<ds:datastoreItem xmlns:ds="http://schemas.openxmlformats.org/officeDocument/2006/customXml" ds:itemID="{B927DC71-2909-427C-BDB0-3E47E2101517}">
+  <ds:schemaRefs>
+    <ds:schemaRef ds:uri="http://schemas.microsoft.com/sharepoint/v3/contenttype/forms"/>
+  </ds:schemaRefs>
+</ds:datastoreItem>
+</file>
+
+<file path=customXml/itemProps3.xml><?xml version="1.0" encoding="utf-8"?>
 <ds:datastoreItem xmlns:ds="http://schemas.openxmlformats.org/officeDocument/2006/customXml" ds:itemID="{290D7697-8E53-4EA8-8CBB-9C19575257BF}">
   <ds:schemaRefs>
     <ds:schemaRef ds:uri="http://schemas.microsoft.com/office/2006/metadata/properties"/>
@@ -16200,12 +16219,4 @@
     <ds:schemaRef ds:uri="71af3243-3dd4-4a8d-8c0d-dd76da1f02a5"/>
   </ds:schemaRefs>
 </ds:datastoreItem>
-</file>
-
-<file path=customXml/itemProps3.xml><?xml version="1.0" encoding="utf-8"?>
-<ds:datastoreItem xmlns:ds="http://schemas.openxmlformats.org/officeDocument/2006/customXml" ds:itemID="{B927DC71-2909-427C-BDB0-3E47E2101517}">
-  <ds:schemaRefs>
-    <ds:schemaRef ds:uri="http://schemas.microsoft.com/sharepoint/v3/contenttype/forms"/>
-  </ds:schemaRefs>
-</ds:datastoreItem>
 </file>
--- a/第二阶段/课堂演示ppt.pptx
+++ b/第二阶段/课堂演示ppt.pptx
@@ -12131,10 +12131,10 @@
       </p:sp>
       <p:pic>
         <p:nvPicPr>
-          <p:cNvPr id="5" name="图片 4" descr="未命名项目1">
-            <a:extLst>
-              <a:ext uri="{FF2B5EF4-FFF2-40B4-BE49-F238E27FC236}">
-                <a16:creationId xmlns:a16="http://schemas.microsoft.com/office/drawing/2014/main" id="{661352FA-DFFC-F398-7191-C89B2E32EADF}"/>
+          <p:cNvPr id="7" name="图片 6">
+            <a:extLst>
+              <a:ext uri="{FF2B5EF4-FFF2-40B4-BE49-F238E27FC236}">
+                <a16:creationId xmlns:a16="http://schemas.microsoft.com/office/drawing/2014/main" id="{19E0DC66-A079-664D-AFF4-304CF488D3F4}"/>
               </a:ext>
             </a:extLst>
           </p:cNvPr>
@@ -12151,8 +12151,8 @@
         </p:blipFill>
         <p:spPr>
           <a:xfrm>
-            <a:off x="437832" y="2017395"/>
-            <a:ext cx="11316335" cy="4291965"/>
+            <a:off x="1316088" y="2189904"/>
+            <a:ext cx="9767087" cy="3704757"/>
           </a:xfrm>
           <a:prstGeom prst="rect">
             <a:avLst/>
@@ -16167,21 +16167,21 @@
 </file>
 
 <file path=customXml/item2.xml><?xml version="1.0" encoding="utf-8"?>
+<p:properties xmlns:p="http://schemas.microsoft.com/office/2006/metadata/properties" xmlns:xsi="http://www.w3.org/2001/XMLSchema-instance" xmlns:pc="http://schemas.microsoft.com/office/infopath/2007/PartnerControls">
+  <documentManagement>
+    <Status xmlns="71af3243-3dd4-4a8d-8c0d-dd76da1f02a5">Not started</Status>
+    <MediaServiceKeyPoints xmlns="71af3243-3dd4-4a8d-8c0d-dd76da1f02a5" xsi:nil="true"/>
+  </documentManagement>
+</p:properties>
+</file>
+
+<file path=customXml/item3.xml><?xml version="1.0" encoding="utf-8"?>
 <?mso-contentType ?>
 <FormTemplates xmlns="http://schemas.microsoft.com/sharepoint/v3/contenttype/forms">
   <Display>DocumentLibraryForm</Display>
   <Edit>DocumentLibraryForm</Edit>
   <New>DocumentLibraryForm</New>
 </FormTemplates>
-</file>
-
-<file path=customXml/item3.xml><?xml version="1.0" encoding="utf-8"?>
-<p:properties xmlns:p="http://schemas.microsoft.com/office/2006/metadata/properties" xmlns:xsi="http://www.w3.org/2001/XMLSchema-instance" xmlns:pc="http://schemas.microsoft.com/office/infopath/2007/PartnerControls">
-  <documentManagement>
-    <Status xmlns="71af3243-3dd4-4a8d-8c0d-dd76da1f02a5">Not started</Status>
-    <MediaServiceKeyPoints xmlns="71af3243-3dd4-4a8d-8c0d-dd76da1f02a5" xsi:nil="true"/>
-  </documentManagement>
-</p:properties>
 </file>
 
 <file path=customXml/itemProps1.xml><?xml version="1.0" encoding="utf-8"?>
@@ -16204,14 +16204,6 @@
 </file>
 
 <file path=customXml/itemProps2.xml><?xml version="1.0" encoding="utf-8"?>
-<ds:datastoreItem xmlns:ds="http://schemas.openxmlformats.org/officeDocument/2006/customXml" ds:itemID="{B927DC71-2909-427C-BDB0-3E47E2101517}">
-  <ds:schemaRefs>
-    <ds:schemaRef ds:uri="http://schemas.microsoft.com/sharepoint/v3/contenttype/forms"/>
-  </ds:schemaRefs>
-</ds:datastoreItem>
-</file>
-
-<file path=customXml/itemProps3.xml><?xml version="1.0" encoding="utf-8"?>
 <ds:datastoreItem xmlns:ds="http://schemas.openxmlformats.org/officeDocument/2006/customXml" ds:itemID="{290D7697-8E53-4EA8-8CBB-9C19575257BF}">
   <ds:schemaRefs>
     <ds:schemaRef ds:uri="http://schemas.microsoft.com/office/2006/metadata/properties"/>
@@ -16219,4 +16211,12 @@
     <ds:schemaRef ds:uri="71af3243-3dd4-4a8d-8c0d-dd76da1f02a5"/>
   </ds:schemaRefs>
 </ds:datastoreItem>
+</file>
+
+<file path=customXml/itemProps3.xml><?xml version="1.0" encoding="utf-8"?>
+<ds:datastoreItem xmlns:ds="http://schemas.openxmlformats.org/officeDocument/2006/customXml" ds:itemID="{B927DC71-2909-427C-BDB0-3E47E2101517}">
+  <ds:schemaRefs>
+    <ds:schemaRef ds:uri="http://schemas.microsoft.com/sharepoint/v3/contenttype/forms"/>
+  </ds:schemaRefs>
+</ds:datastoreItem>
 </file>
--- a/第二阶段/课堂演示ppt.pptx
+++ b/第二阶段/课堂演示ppt.pptx
@@ -13340,8 +13340,8 @@
           <a:lstStyle/>
           <a:p>
             <a:r>
-              <a:rPr lang="en-US" altLang="zh-CN" noProof="0" dirty="0"/>
-              <a:t>2024/10/10</a:t>
+              <a:rPr lang="en-US" altLang="zh-CN" noProof="0"/>
+              <a:t>2024/11/19</a:t>
             </a:r>
             <a:endParaRPr lang="zh-CN" altLang="en-US" noProof="0" dirty="0">
               <a:latin typeface="Microsoft YaHei UI" panose="020B0503020204020204" pitchFamily="34" charset="-122"/>
@@ -14011,7 +14011,7 @@
                 <a:latin typeface="Segoe UI" panose="020B0502040204020203" pitchFamily="34" charset="0"/>
                 <a:ea typeface="仿宋" panose="02010609060101010101" pitchFamily="49" charset="-122"/>
               </a:rPr>
-              <a:t>面向对象设计</a:t>
+              <a:t>面向对象分析</a:t>
             </a:r>
           </a:p>
         </p:txBody>
@@ -16167,21 +16167,21 @@
 </file>
 
 <file path=customXml/item2.xml><?xml version="1.0" encoding="utf-8"?>
+<?mso-contentType ?>
+<FormTemplates xmlns="http://schemas.microsoft.com/sharepoint/v3/contenttype/forms">
+  <Display>DocumentLibraryForm</Display>
+  <Edit>DocumentLibraryForm</Edit>
+  <New>DocumentLibraryForm</New>
+</FormTemplates>
+</file>
+
+<file path=customXml/item3.xml><?xml version="1.0" encoding="utf-8"?>
 <p:properties xmlns:p="http://schemas.microsoft.com/office/2006/metadata/properties" xmlns:xsi="http://www.w3.org/2001/XMLSchema-instance" xmlns:pc="http://schemas.microsoft.com/office/infopath/2007/PartnerControls">
   <documentManagement>
     <Status xmlns="71af3243-3dd4-4a8d-8c0d-dd76da1f02a5">Not started</Status>
     <MediaServiceKeyPoints xmlns="71af3243-3dd4-4a8d-8c0d-dd76da1f02a5" xsi:nil="true"/>
   </documentManagement>
 </p:properties>
-</file>
-
-<file path=customXml/item3.xml><?xml version="1.0" encoding="utf-8"?>
-<?mso-contentType ?>
-<FormTemplates xmlns="http://schemas.microsoft.com/sharepoint/v3/contenttype/forms">
-  <Display>DocumentLibraryForm</Display>
-  <Edit>DocumentLibraryForm</Edit>
-  <New>DocumentLibraryForm</New>
-</FormTemplates>
 </file>
 
 <file path=customXml/itemProps1.xml><?xml version="1.0" encoding="utf-8"?>
@@ -16204,6 +16204,14 @@
 </file>
 
 <file path=customXml/itemProps2.xml><?xml version="1.0" encoding="utf-8"?>
+<ds:datastoreItem xmlns:ds="http://schemas.openxmlformats.org/officeDocument/2006/customXml" ds:itemID="{B927DC71-2909-427C-BDB0-3E47E2101517}">
+  <ds:schemaRefs>
+    <ds:schemaRef ds:uri="http://schemas.microsoft.com/sharepoint/v3/contenttype/forms"/>
+  </ds:schemaRefs>
+</ds:datastoreItem>
+</file>
+
+<file path=customXml/itemProps3.xml><?xml version="1.0" encoding="utf-8"?>
 <ds:datastoreItem xmlns:ds="http://schemas.openxmlformats.org/officeDocument/2006/customXml" ds:itemID="{290D7697-8E53-4EA8-8CBB-9C19575257BF}">
   <ds:schemaRefs>
     <ds:schemaRef ds:uri="http://schemas.microsoft.com/office/2006/metadata/properties"/>
@@ -16211,12 +16219,4 @@
     <ds:schemaRef ds:uri="71af3243-3dd4-4a8d-8c0d-dd76da1f02a5"/>
   </ds:schemaRefs>
 </ds:datastoreItem>
-</file>
-
-<file path=customXml/itemProps3.xml><?xml version="1.0" encoding="utf-8"?>
-<ds:datastoreItem xmlns:ds="http://schemas.openxmlformats.org/officeDocument/2006/customXml" ds:itemID="{B927DC71-2909-427C-BDB0-3E47E2101517}">
-  <ds:schemaRefs>
-    <ds:schemaRef ds:uri="http://schemas.microsoft.com/sharepoint/v3/contenttype/forms"/>
-  </ds:schemaRefs>
-</ds:datastoreItem>
 </file>